--- a/lectures/week9/lecture3/slides/week9_lecture2.pptx
+++ b/lectures/week9/lecture3/slides/week9_lecture2.pptx
@@ -197,7 +197,7 @@
           <a:p>
             <a:fld id="{125D7D83-D401-9A49-861D-A02E2788C764}" type="datetimeFigureOut">
               <a:rPr lang="en-US" smtClean="0"/>
-              <a:t>3/22/24</a:t>
+              <a:t>12/18/2025</a:t>
             </a:fld>
             <a:endParaRPr lang="en-US"/>
           </a:p>
@@ -1753,7 +1753,7 @@
                   <a:schemeClr val="accent6"/>
                 </a:solidFill>
               </a:rPr>
-              <a:t>10</a:t>
+              <a:t>9</a:t>
             </a:r>
             <a:r>
               <a:rPr lang="en-US" b="1" dirty="0"/>
@@ -1777,10 +1777,10 @@
                   <a:schemeClr val="accent6"/>
                 </a:solidFill>
               </a:rPr>
-              <a:t>3 </a:t>
-            </a:r>
-            <a:r>
-              <a:rPr lang="en-US" dirty="0">
+              <a:t>2 </a:t>
+            </a:r>
+            <a:r>
+              <a:rPr lang="en-US">
                 <a:solidFill>
                   <a:schemeClr val="accent1"/>
                 </a:solidFill>
@@ -1788,33 +1788,38 @@
               <a:t>(</a:t>
             </a:r>
             <a:r>
-              <a:rPr lang="en-US" dirty="0">
+              <a:rPr lang="en-US">
                 <a:solidFill>
                   <a:schemeClr val="accent6"/>
                 </a:solidFill>
               </a:rPr>
-              <a:t>10</a:t>
-            </a:r>
-            <a:r>
-              <a:rPr lang="en-US" dirty="0"/>
+              <a:t>9</a:t>
+            </a:r>
+            <a:r>
+              <a:rPr lang="en-US"/>
               <a:t>.</a:t>
             </a:r>
             <a:r>
-              <a:rPr lang="en-US" dirty="0">
+              <a:rPr lang="en-US">
                 <a:solidFill>
                   <a:schemeClr val="accent6"/>
                 </a:solidFill>
               </a:rPr>
-              <a:t>3</a:t>
-            </a:r>
-            <a:r>
-              <a:rPr lang="en-US" dirty="0">
+              <a:t>2</a:t>
+            </a:r>
+            <a:r>
+              <a:rPr lang="en-US">
                 <a:solidFill>
                   <a:schemeClr val="accent1"/>
                 </a:solidFill>
               </a:rPr>
               <a:t>)</a:t>
             </a:r>
+            <a:endParaRPr lang="en-US" dirty="0">
+              <a:solidFill>
+                <a:schemeClr val="accent1"/>
+              </a:solidFill>
+            </a:endParaRPr>
           </a:p>
         </p:txBody>
       </p:sp>
